--- a/VI69/PRESENTATION.pptx
+++ b/VI69/PRESENTATION.pptx
@@ -39,7 +39,7 @@
     <p:sldId id="266" r:id="rId33"/>
     <p:sldId id="284" r:id="rId34"/>
     <p:sldId id="267" r:id="rId35"/>
-    <p:sldId id="292" r:id="rId36"/>
+    <p:sldId id="293" r:id="rId36"/>
     <p:sldId id="268" r:id="rId37"/>
   </p:sldIdLst>
   <p:sldSz cx="9144000" cy="5143500" type="screen16x9"/>
@@ -4277,11 +4277,7 @@
           <a:p>
             <a:r>
               <a:rPr lang="en-US" dirty="0" smtClean="0"/>
-              <a:t>VI-69: Tech Titans: </a:t>
-            </a:r>
-            <a:r>
-              <a:rPr lang="en-US" dirty="0" smtClean="0"/>
-              <a:t>Best Practices for Building a Bridge to Unlock the Power </a:t>
+              <a:t>VI-69: Tech Titans: Best Practices for Building a Bridge to Unlock the Power </a:t>
             </a:r>
             <a:r>
               <a:rPr lang="en-US" dirty="0" err="1" smtClean="0"/>
@@ -16574,7 +16570,7 @@
           <a:p>
             <a:r>
               <a:rPr lang="en-US" dirty="0" smtClean="0"/>
-              <a:t>Where to find more info</a:t>
+              <a:t>Links and Downloads</a:t>
             </a:r>
             <a:endParaRPr lang="en-US" dirty="0"/>
           </a:p>
@@ -16668,25 +16664,84 @@
           <a:p>
             <a:r>
               <a:rPr lang="en-US" dirty="0" smtClean="0"/>
-              <a:t>Read through the “DeltekVisionXtend7xWebServicesAPI.pdf”. Part of the documentation download</a:t>
-            </a:r>
-          </a:p>
-          <a:p>
+              <a:t>You can find </a:t>
+            </a:r>
+            <a:r>
+              <a:rPr lang="en-US" dirty="0"/>
+              <a:t>all source code </a:t>
+            </a:r>
             <a:r>
               <a:rPr lang="en-US" dirty="0" smtClean="0"/>
-              <a:t>Samples and presentation can be found </a:t>
-            </a:r>
-            <a:r>
-              <a:rPr lang="en-US"/>
-              <a:t>here</a:t>
-            </a:r>
+              <a:t>on GitHub </a:t>
+            </a:r>
+            <a:r>
+              <a:rPr lang="en-US" dirty="0"/>
+              <a:t>here:</a:t>
+            </a:r>
+            <a:br>
+              <a:rPr lang="en-US" dirty="0"/>
+            </a:br>
+            <a:r>
+              <a:rPr lang="en-US" dirty="0">
+                <a:hlinkClick r:id="rId2"/>
+              </a:rPr>
+              <a:t>https</a:t>
+            </a:r>
+            <a:r>
+              <a:rPr lang="en-US">
+                <a:hlinkClick r:id="rId2"/>
+              </a:rPr>
+              <a:t>://</a:t>
+            </a:r>
+            <a:r>
+              <a:rPr lang="en-US" smtClean="0">
+                <a:hlinkClick r:id="rId2"/>
+              </a:rPr>
+              <a:t>github.com/mdobler/Insight2015/tree/master/VI69</a:t>
+            </a:r>
+            <a:endParaRPr lang="en-US" smtClean="0"/>
+          </a:p>
+          <a:p>
             <a:r>
               <a:rPr lang="en-US" smtClean="0"/>
-              <a:t>: &lt;TBD&gt;</a:t>
-            </a:r>
-            <a:endParaRPr lang="en-US" dirty="0" smtClean="0"/>
-          </a:p>
-          <a:p>
+              <a:t>All </a:t>
+            </a:r>
+            <a:r>
+              <a:rPr lang="en-US" dirty="0" smtClean="0"/>
+              <a:t>demos use the VisionDemo74 database (can be downloaded from the Deltek support site; </a:t>
+            </a:r>
+            <a:r>
+              <a:rPr lang="en-US" dirty="0" smtClean="0">
+                <a:hlinkClick r:id="rId3"/>
+              </a:rPr>
+              <a:t>http://support.Deltek.com</a:t>
+            </a:r>
+            <a:r>
+              <a:rPr lang="en-US" dirty="0" smtClean="0"/>
+              <a:t> )</a:t>
+            </a:r>
+          </a:p>
+          <a:p>
+            <a:r>
+              <a:rPr lang="en-US" dirty="0" smtClean="0"/>
+              <a:t>I am available at the “Ask The Expert” sessions</a:t>
+            </a:r>
+          </a:p>
+          <a:p>
+            <a:r>
+              <a:rPr lang="en-US" dirty="0" smtClean="0"/>
+              <a:t>Email me: Mike Dobler ( </a:t>
+            </a:r>
+            <a:r>
+              <a:rPr lang="en-US" dirty="0" smtClean="0">
+                <a:hlinkClick r:id="rId4"/>
+              </a:rPr>
+              <a:t>michaeldobler@Deltek.com</a:t>
+            </a:r>
+            <a:r>
+              <a:rPr lang="en-US" dirty="0" smtClean="0"/>
+              <a:t> )</a:t>
+            </a:r>
             <a:endParaRPr lang="en-US" dirty="0"/>
           </a:p>
         </p:txBody>
@@ -16694,7 +16749,7 @@
     </p:spTree>
     <p:extLst>
       <p:ext uri="{BB962C8B-B14F-4D97-AF65-F5344CB8AC3E}">
-        <p14:creationId xmlns:p14="http://schemas.microsoft.com/office/powerpoint/2010/main" val="2141485624"/>
+        <p14:creationId xmlns:p14="http://schemas.microsoft.com/office/powerpoint/2010/main" val="3181369035"/>
       </p:ext>
     </p:extLst>
   </p:cSld>

--- a/VI69/PRESENTATION.pptx
+++ b/VI69/PRESENTATION.pptx
@@ -152,7 +152,7 @@
             <a:srgbClr val="A4A3A4"/>
           </p15:clr>
         </p15:guide>
-        <p15:guide id="3" orient="horz" pos="180">
+        <p15:guide id="3" orient="horz" pos="2988" userDrawn="1">
           <p15:clr>
             <a:srgbClr val="A4A3A4"/>
           </p15:clr>
@@ -751,77 +751,6 @@
       </p:sp>
       <p:sp>
         <p:nvSpPr>
-          <p:cNvPr id="21" name="Date Placeholder 20"/>
-          <p:cNvSpPr>
-            <a:spLocks noGrp="1"/>
-          </p:cNvSpPr>
-          <p:nvPr>
-            <p:ph type="dt" sz="half" idx="10"/>
-          </p:nvPr>
-        </p:nvSpPr>
-        <p:spPr/>
-        <p:txBody>
-          <a:bodyPr/>
-          <a:lstStyle/>
-          <a:p>
-            <a:fld id="{236A0ED6-04AD-4E6D-BA30-6132D50E61E7}" type="datetime1">
-              <a:rPr lang="en-US" smtClean="0"/>
-              <a:pPr/>
-              <a:t>9/4/2015</a:t>
-            </a:fld>
-            <a:endParaRPr lang="en-US" dirty="0"/>
-          </a:p>
-        </p:txBody>
-      </p:sp>
-      <p:sp>
-        <p:nvSpPr>
-          <p:cNvPr id="22" name="Slide Number Placeholder 21"/>
-          <p:cNvSpPr>
-            <a:spLocks noGrp="1"/>
-          </p:cNvSpPr>
-          <p:nvPr>
-            <p:ph type="sldNum" sz="quarter" idx="11"/>
-          </p:nvPr>
-        </p:nvSpPr>
-        <p:spPr/>
-        <p:txBody>
-          <a:bodyPr/>
-          <a:lstStyle/>
-          <a:p>
-            <a:fld id="{53E7D600-3523-4C63-B38B-0FF9ED66F99E}" type="slidenum">
-              <a:rPr lang="en-US" smtClean="0"/>
-              <a:pPr/>
-              <a:t>‹#›</a:t>
-            </a:fld>
-            <a:endParaRPr lang="en-US" dirty="0"/>
-          </a:p>
-        </p:txBody>
-      </p:sp>
-      <p:sp>
-        <p:nvSpPr>
-          <p:cNvPr id="23" name="Footer Placeholder 22"/>
-          <p:cNvSpPr>
-            <a:spLocks noGrp="1"/>
-          </p:cNvSpPr>
-          <p:nvPr>
-            <p:ph type="ftr" sz="quarter" idx="12"/>
-          </p:nvPr>
-        </p:nvSpPr>
-        <p:spPr/>
-        <p:txBody>
-          <a:bodyPr/>
-          <a:lstStyle/>
-          <a:p>
-            <a:r>
-              <a:rPr lang="en-US" dirty="0" smtClean="0"/>
-              <a:t>CONFIDENTIAL  ©2011 Deltek, Inc.  All Rights Reserved</a:t>
-            </a:r>
-            <a:endParaRPr lang="en-US" dirty="0"/>
-          </a:p>
-        </p:txBody>
-      </p:sp>
-      <p:sp>
-        <p:nvSpPr>
           <p:cNvPr id="25" name="Content Placeholder 24"/>
           <p:cNvSpPr>
             <a:spLocks noGrp="1"/>
@@ -877,6 +806,96 @@
               <a:t>Fifth level</a:t>
             </a:r>
             <a:endParaRPr lang="en-US"/>
+          </a:p>
+        </p:txBody>
+      </p:sp>
+      <p:sp>
+        <p:nvSpPr>
+          <p:cNvPr id="9" name="Date Placeholder 7"/>
+          <p:cNvSpPr>
+            <a:spLocks noGrp="1"/>
+          </p:cNvSpPr>
+          <p:nvPr>
+            <p:ph type="dt" sz="half" idx="14"/>
+          </p:nvPr>
+        </p:nvSpPr>
+        <p:spPr>
+          <a:xfrm>
+            <a:off x="7315201" y="4711712"/>
+            <a:ext cx="677331" cy="177641"/>
+          </a:xfrm>
+        </p:spPr>
+        <p:txBody>
+          <a:bodyPr/>
+          <a:lstStyle/>
+          <a:p>
+            <a:fld id="{63B57C05-FAC8-4AF1-906F-A3907E6963E2}" type="datetime1">
+              <a:rPr lang="en-US" smtClean="0"/>
+              <a:pPr/>
+              <a:t>10/8/2015</a:t>
+            </a:fld>
+            <a:endParaRPr lang="en-US" dirty="0"/>
+          </a:p>
+        </p:txBody>
+      </p:sp>
+      <p:sp>
+        <p:nvSpPr>
+          <p:cNvPr id="11" name="Slide Number Placeholder 8"/>
+          <p:cNvSpPr>
+            <a:spLocks noGrp="1"/>
+          </p:cNvSpPr>
+          <p:nvPr>
+            <p:ph type="sldNum" sz="quarter" idx="15"/>
+          </p:nvPr>
+        </p:nvSpPr>
+        <p:spPr>
+          <a:xfrm>
+            <a:off x="8245784" y="4714876"/>
+            <a:ext cx="555316" cy="174477"/>
+          </a:xfrm>
+        </p:spPr>
+        <p:txBody>
+          <a:bodyPr/>
+          <a:lstStyle>
+            <a:lvl1pPr algn="r">
+              <a:defRPr/>
+            </a:lvl1pPr>
+          </a:lstStyle>
+          <a:p>
+            <a:fld id="{53E7D600-3523-4C63-B38B-0FF9ED66F99E}" type="slidenum">
+              <a:rPr lang="en-US" smtClean="0"/>
+              <a:pPr/>
+              <a:t>‹#›</a:t>
+            </a:fld>
+            <a:endParaRPr lang="en-US" dirty="0"/>
+          </a:p>
+        </p:txBody>
+      </p:sp>
+      <p:sp>
+        <p:nvSpPr>
+          <p:cNvPr id="13" name="Footer Placeholder 9"/>
+          <p:cNvSpPr>
+            <a:spLocks noGrp="1"/>
+          </p:cNvSpPr>
+          <p:nvPr>
+            <p:ph type="ftr" sz="quarter" idx="16"/>
+          </p:nvPr>
+        </p:nvSpPr>
+        <p:spPr>
+          <a:xfrm>
+            <a:off x="3659383" y="4711712"/>
+            <a:ext cx="3262735" cy="177641"/>
+          </a:xfrm>
+        </p:spPr>
+        <p:txBody>
+          <a:bodyPr/>
+          <a:lstStyle/>
+          <a:p>
+            <a:r>
+              <a:rPr lang="en-US" dirty="0" smtClean="0"/>
+              <a:t>CONFIDENTIAL  ©2015 Deltek, Inc.  All Rights Reserved</a:t>
+            </a:r>
+            <a:endParaRPr lang="en-US" dirty="0"/>
           </a:p>
         </p:txBody>
       </p:sp>
@@ -958,7 +977,7 @@
             <a:fld id="{93F684EB-03B6-4EF4-94A9-B7E67D0967B6}" type="datetime1">
               <a:rPr lang="en-US" smtClean="0"/>
               <a:pPr/>
-              <a:t>9/4/2015</a:t>
+              <a:t>10/8/2015</a:t>
             </a:fld>
             <a:endParaRPr lang="en-US" dirty="0"/>
           </a:p>
@@ -1196,23 +1215,28 @@
       </p:sp>
       <p:sp>
         <p:nvSpPr>
-          <p:cNvPr id="7" name="Date Placeholder 6"/>
+          <p:cNvPr id="9" name="Date Placeholder 7"/>
           <p:cNvSpPr>
             <a:spLocks noGrp="1"/>
           </p:cNvSpPr>
           <p:nvPr>
-            <p:ph type="dt" sz="half" idx="10"/>
+            <p:ph type="dt" sz="half" idx="14"/>
           </p:nvPr>
         </p:nvSpPr>
-        <p:spPr/>
+        <p:spPr>
+          <a:xfrm>
+            <a:off x="7315201" y="4711712"/>
+            <a:ext cx="677331" cy="177641"/>
+          </a:xfrm>
+        </p:spPr>
         <p:txBody>
           <a:bodyPr/>
           <a:lstStyle/>
           <a:p>
-            <a:fld id="{B8E13F23-A49F-4570-9BAD-C33255FD8D77}" type="datetime1">
+            <a:fld id="{63B57C05-FAC8-4AF1-906F-A3907E6963E2}" type="datetime1">
               <a:rPr lang="en-US" smtClean="0"/>
               <a:pPr/>
-              <a:t>9/4/2015</a:t>
+              <a:t>10/8/2015</a:t>
             </a:fld>
             <a:endParaRPr lang="en-US" dirty="0"/>
           </a:p>
@@ -1220,18 +1244,27 @@
       </p:sp>
       <p:sp>
         <p:nvSpPr>
-          <p:cNvPr id="8" name="Slide Number Placeholder 7"/>
+          <p:cNvPr id="10" name="Slide Number Placeholder 8"/>
           <p:cNvSpPr>
             <a:spLocks noGrp="1"/>
           </p:cNvSpPr>
           <p:nvPr>
-            <p:ph type="sldNum" sz="quarter" idx="11"/>
+            <p:ph type="sldNum" sz="quarter" idx="15"/>
           </p:nvPr>
         </p:nvSpPr>
-        <p:spPr/>
+        <p:spPr>
+          <a:xfrm>
+            <a:off x="8245784" y="4714876"/>
+            <a:ext cx="555316" cy="174477"/>
+          </a:xfrm>
+        </p:spPr>
         <p:txBody>
           <a:bodyPr/>
-          <a:lstStyle/>
+          <a:lstStyle>
+            <a:lvl1pPr algn="r">
+              <a:defRPr/>
+            </a:lvl1pPr>
+          </a:lstStyle>
           <a:p>
             <a:fld id="{53E7D600-3523-4C63-B38B-0FF9ED66F99E}" type="slidenum">
               <a:rPr lang="en-US" smtClean="0"/>
@@ -1244,22 +1277,27 @@
       </p:sp>
       <p:sp>
         <p:nvSpPr>
-          <p:cNvPr id="12" name="Footer Placeholder 11"/>
+          <p:cNvPr id="11" name="Footer Placeholder 9"/>
           <p:cNvSpPr>
             <a:spLocks noGrp="1"/>
           </p:cNvSpPr>
           <p:nvPr>
-            <p:ph type="ftr" sz="quarter" idx="12"/>
+            <p:ph type="ftr" sz="quarter" idx="16"/>
           </p:nvPr>
         </p:nvSpPr>
-        <p:spPr/>
+        <p:spPr>
+          <a:xfrm>
+            <a:off x="3659383" y="4711712"/>
+            <a:ext cx="3262735" cy="177641"/>
+          </a:xfrm>
+        </p:spPr>
         <p:txBody>
           <a:bodyPr/>
           <a:lstStyle/>
           <a:p>
             <a:r>
               <a:rPr lang="en-US" dirty="0" smtClean="0"/>
-              <a:t>CONFIDENTIAL  ©2011 Deltek, Inc.  All Rights Reserved</a:t>
+              <a:t>CONFIDENTIAL  ©2015 Deltek, Inc.  All Rights Reserved</a:t>
             </a:r>
             <a:endParaRPr lang="en-US" dirty="0"/>
           </a:p>
@@ -1468,7 +1506,7 @@
             <a:fld id="{237B832D-1958-4308-A4C7-97DAD86B9756}" type="datetime1">
               <a:rPr lang="en-US" smtClean="0"/>
               <a:pPr/>
-              <a:t>9/4/2015</a:t>
+              <a:t>10/8/2015</a:t>
             </a:fld>
             <a:endParaRPr lang="en-US" dirty="0"/>
           </a:p>
@@ -1700,7 +1738,7 @@
       </p:sp>
       <p:sp>
         <p:nvSpPr>
-          <p:cNvPr id="14" name="Date Placeholder 13"/>
+          <p:cNvPr id="9" name="Date Placeholder 7"/>
           <p:cNvSpPr>
             <a:spLocks noGrp="1"/>
           </p:cNvSpPr>
@@ -1708,15 +1746,20 @@
             <p:ph type="dt" sz="half" idx="14"/>
           </p:nvPr>
         </p:nvSpPr>
-        <p:spPr/>
+        <p:spPr>
+          <a:xfrm>
+            <a:off x="7315201" y="4711712"/>
+            <a:ext cx="677331" cy="177641"/>
+          </a:xfrm>
+        </p:spPr>
         <p:txBody>
           <a:bodyPr/>
           <a:lstStyle/>
           <a:p>
-            <a:fld id="{F081B3F2-B975-A34D-AFDC-DD856FD0748A}" type="datetime1">
+            <a:fld id="{63B57C05-FAC8-4AF1-906F-A3907E6963E2}" type="datetime1">
               <a:rPr lang="en-US" smtClean="0"/>
               <a:pPr/>
-              <a:t>9/4/2015</a:t>
+              <a:t>10/8/2015</a:t>
             </a:fld>
             <a:endParaRPr lang="en-US" dirty="0"/>
           </a:p>
@@ -1724,7 +1767,7 @@
       </p:sp>
       <p:sp>
         <p:nvSpPr>
-          <p:cNvPr id="15" name="Slide Number Placeholder 14"/>
+          <p:cNvPr id="10" name="Slide Number Placeholder 8"/>
           <p:cNvSpPr>
             <a:spLocks noGrp="1"/>
           </p:cNvSpPr>
@@ -1732,12 +1775,21 @@
             <p:ph type="sldNum" sz="quarter" idx="15"/>
           </p:nvPr>
         </p:nvSpPr>
-        <p:spPr/>
+        <p:spPr>
+          <a:xfrm>
+            <a:off x="8245784" y="4714876"/>
+            <a:ext cx="555316" cy="174477"/>
+          </a:xfrm>
+        </p:spPr>
         <p:txBody>
           <a:bodyPr/>
-          <a:lstStyle/>
-          <a:p>
-            <a:fld id="{8FD0B50B-04A1-4ADD-94F0-C1B1F23CDF4F}" type="slidenum">
+          <a:lstStyle>
+            <a:lvl1pPr algn="r">
+              <a:defRPr/>
+            </a:lvl1pPr>
+          </a:lstStyle>
+          <a:p>
+            <a:fld id="{53E7D600-3523-4C63-B38B-0FF9ED66F99E}" type="slidenum">
               <a:rPr lang="en-US" smtClean="0"/>
               <a:pPr/>
               <a:t>‹#›</a:t>
@@ -1748,7 +1800,7 @@
       </p:sp>
       <p:sp>
         <p:nvSpPr>
-          <p:cNvPr id="16" name="Footer Placeholder 15"/>
+          <p:cNvPr id="11" name="Footer Placeholder 9"/>
           <p:cNvSpPr>
             <a:spLocks noGrp="1"/>
           </p:cNvSpPr>
@@ -1756,19 +1808,19 @@
             <p:ph type="ftr" sz="quarter" idx="16"/>
           </p:nvPr>
         </p:nvSpPr>
-        <p:spPr/>
+        <p:spPr>
+          <a:xfrm>
+            <a:off x="3659383" y="4711712"/>
+            <a:ext cx="3262735" cy="177641"/>
+          </a:xfrm>
+        </p:spPr>
         <p:txBody>
           <a:bodyPr/>
           <a:lstStyle/>
           <a:p>
-            <a:pPr>
-              <a:tabLst>
-                <a:tab pos="1489075" algn="l"/>
-              </a:tabLst>
-            </a:pPr>
-            <a:r>
-              <a:rPr lang="en-US" smtClean="0"/>
-              <a:t>©2014 Deltek, Inc.  All Rights Reserved</a:t>
+            <a:r>
+              <a:rPr lang="en-US" dirty="0" smtClean="0"/>
+              <a:t>CONFIDENTIAL  ©2015 Deltek, Inc.  All Rights Reserved</a:t>
             </a:r>
             <a:endParaRPr lang="en-US" dirty="0"/>
           </a:p>
@@ -3333,77 +3385,6 @@
       </p:sp>
       <p:sp>
         <p:nvSpPr>
-          <p:cNvPr id="8" name="Date Placeholder 7"/>
-          <p:cNvSpPr>
-            <a:spLocks noGrp="1"/>
-          </p:cNvSpPr>
-          <p:nvPr>
-            <p:ph type="dt" sz="half" idx="14"/>
-          </p:nvPr>
-        </p:nvSpPr>
-        <p:spPr/>
-        <p:txBody>
-          <a:bodyPr/>
-          <a:lstStyle/>
-          <a:p>
-            <a:fld id="{63B57C05-FAC8-4AF1-906F-A3907E6963E2}" type="datetime1">
-              <a:rPr lang="en-US" smtClean="0"/>
-              <a:pPr/>
-              <a:t>9/4/2015</a:t>
-            </a:fld>
-            <a:endParaRPr lang="en-US" dirty="0"/>
-          </a:p>
-        </p:txBody>
-      </p:sp>
-      <p:sp>
-        <p:nvSpPr>
-          <p:cNvPr id="9" name="Slide Number Placeholder 8"/>
-          <p:cNvSpPr>
-            <a:spLocks noGrp="1"/>
-          </p:cNvSpPr>
-          <p:nvPr>
-            <p:ph type="sldNum" sz="quarter" idx="15"/>
-          </p:nvPr>
-        </p:nvSpPr>
-        <p:spPr/>
-        <p:txBody>
-          <a:bodyPr/>
-          <a:lstStyle/>
-          <a:p>
-            <a:fld id="{53E7D600-3523-4C63-B38B-0FF9ED66F99E}" type="slidenum">
-              <a:rPr lang="en-US" smtClean="0"/>
-              <a:pPr/>
-              <a:t>‹#›</a:t>
-            </a:fld>
-            <a:endParaRPr lang="en-US" dirty="0"/>
-          </a:p>
-        </p:txBody>
-      </p:sp>
-      <p:sp>
-        <p:nvSpPr>
-          <p:cNvPr id="10" name="Footer Placeholder 9"/>
-          <p:cNvSpPr>
-            <a:spLocks noGrp="1"/>
-          </p:cNvSpPr>
-          <p:nvPr>
-            <p:ph type="ftr" sz="quarter" idx="16"/>
-          </p:nvPr>
-        </p:nvSpPr>
-        <p:spPr/>
-        <p:txBody>
-          <a:bodyPr/>
-          <a:lstStyle/>
-          <a:p>
-            <a:r>
-              <a:rPr lang="en-US" dirty="0" smtClean="0"/>
-              <a:t>CONFIDENTIAL  ©2011 Deltek, Inc.  All Rights Reserved</a:t>
-            </a:r>
-            <a:endParaRPr lang="en-US" dirty="0"/>
-          </a:p>
-        </p:txBody>
-      </p:sp>
-      <p:sp>
-        <p:nvSpPr>
           <p:cNvPr id="25" name="Content Placeholder 24"/>
           <p:cNvSpPr>
             <a:spLocks noGrp="1"/>
@@ -3475,6 +3456,96 @@
             <a:r>
               <a:rPr lang="en-US" smtClean="0"/>
               <a:t>Fifth level</a:t>
+            </a:r>
+            <a:endParaRPr lang="en-US" dirty="0"/>
+          </a:p>
+        </p:txBody>
+      </p:sp>
+      <p:sp>
+        <p:nvSpPr>
+          <p:cNvPr id="11" name="Date Placeholder 7"/>
+          <p:cNvSpPr>
+            <a:spLocks noGrp="1"/>
+          </p:cNvSpPr>
+          <p:nvPr>
+            <p:ph type="dt" sz="half" idx="14"/>
+          </p:nvPr>
+        </p:nvSpPr>
+        <p:spPr>
+          <a:xfrm>
+            <a:off x="7315201" y="4711712"/>
+            <a:ext cx="677331" cy="177641"/>
+          </a:xfrm>
+        </p:spPr>
+        <p:txBody>
+          <a:bodyPr/>
+          <a:lstStyle/>
+          <a:p>
+            <a:fld id="{63B57C05-FAC8-4AF1-906F-A3907E6963E2}" type="datetime1">
+              <a:rPr lang="en-US" smtClean="0"/>
+              <a:pPr/>
+              <a:t>10/8/2015</a:t>
+            </a:fld>
+            <a:endParaRPr lang="en-US" dirty="0"/>
+          </a:p>
+        </p:txBody>
+      </p:sp>
+      <p:sp>
+        <p:nvSpPr>
+          <p:cNvPr id="12" name="Slide Number Placeholder 8"/>
+          <p:cNvSpPr>
+            <a:spLocks noGrp="1"/>
+          </p:cNvSpPr>
+          <p:nvPr>
+            <p:ph type="sldNum" sz="quarter" idx="15"/>
+          </p:nvPr>
+        </p:nvSpPr>
+        <p:spPr>
+          <a:xfrm>
+            <a:off x="8245784" y="4714876"/>
+            <a:ext cx="555316" cy="174477"/>
+          </a:xfrm>
+        </p:spPr>
+        <p:txBody>
+          <a:bodyPr/>
+          <a:lstStyle>
+            <a:lvl1pPr algn="r">
+              <a:defRPr/>
+            </a:lvl1pPr>
+          </a:lstStyle>
+          <a:p>
+            <a:fld id="{53E7D600-3523-4C63-B38B-0FF9ED66F99E}" type="slidenum">
+              <a:rPr lang="en-US" smtClean="0"/>
+              <a:pPr/>
+              <a:t>‹#›</a:t>
+            </a:fld>
+            <a:endParaRPr lang="en-US" dirty="0"/>
+          </a:p>
+        </p:txBody>
+      </p:sp>
+      <p:sp>
+        <p:nvSpPr>
+          <p:cNvPr id="13" name="Footer Placeholder 9"/>
+          <p:cNvSpPr>
+            <a:spLocks noGrp="1"/>
+          </p:cNvSpPr>
+          <p:nvPr>
+            <p:ph type="ftr" sz="quarter" idx="16"/>
+          </p:nvPr>
+        </p:nvSpPr>
+        <p:spPr>
+          <a:xfrm>
+            <a:off x="3659383" y="4711712"/>
+            <a:ext cx="3262735" cy="177641"/>
+          </a:xfrm>
+        </p:spPr>
+        <p:txBody>
+          <a:bodyPr/>
+          <a:lstStyle/>
+          <a:p>
+            <a:r>
+              <a:rPr lang="en-US" dirty="0" smtClean="0"/>
+              <a:t>CONFIDENTIAL  ©2015 Deltek, Inc.  All Rights Reserved</a:t>
             </a:r>
             <a:endParaRPr lang="en-US" dirty="0"/>
           </a:p>
@@ -3522,23 +3593,28 @@
       </p:grpSpPr>
       <p:sp>
         <p:nvSpPr>
-          <p:cNvPr id="9" name="Date Placeholder 8"/>
+          <p:cNvPr id="5" name="Date Placeholder 7"/>
           <p:cNvSpPr>
             <a:spLocks noGrp="1"/>
           </p:cNvSpPr>
           <p:nvPr>
-            <p:ph type="dt" sz="half" idx="10"/>
+            <p:ph type="dt" sz="half" idx="14"/>
           </p:nvPr>
         </p:nvSpPr>
-        <p:spPr/>
+        <p:spPr>
+          <a:xfrm>
+            <a:off x="7315201" y="4711712"/>
+            <a:ext cx="677331" cy="177641"/>
+          </a:xfrm>
+        </p:spPr>
         <p:txBody>
           <a:bodyPr/>
           <a:lstStyle/>
           <a:p>
-            <a:fld id="{D68363BA-B2CB-48BB-B948-748EF4E624F6}" type="datetime1">
+            <a:fld id="{63B57C05-FAC8-4AF1-906F-A3907E6963E2}" type="datetime1">
               <a:rPr lang="en-US" smtClean="0"/>
               <a:pPr/>
-              <a:t>9/4/2015</a:t>
+              <a:t>10/8/2015</a:t>
             </a:fld>
             <a:endParaRPr lang="en-US" dirty="0"/>
           </a:p>
@@ -3546,18 +3622,27 @@
       </p:sp>
       <p:sp>
         <p:nvSpPr>
-          <p:cNvPr id="10" name="Slide Number Placeholder 9"/>
+          <p:cNvPr id="6" name="Slide Number Placeholder 8"/>
           <p:cNvSpPr>
             <a:spLocks noGrp="1"/>
           </p:cNvSpPr>
           <p:nvPr>
-            <p:ph type="sldNum" sz="quarter" idx="11"/>
+            <p:ph type="sldNum" sz="quarter" idx="15"/>
           </p:nvPr>
         </p:nvSpPr>
-        <p:spPr/>
+        <p:spPr>
+          <a:xfrm>
+            <a:off x="8245784" y="4714876"/>
+            <a:ext cx="555316" cy="174477"/>
+          </a:xfrm>
+        </p:spPr>
         <p:txBody>
           <a:bodyPr/>
-          <a:lstStyle/>
+          <a:lstStyle>
+            <a:lvl1pPr algn="r">
+              <a:defRPr/>
+            </a:lvl1pPr>
+          </a:lstStyle>
           <a:p>
             <a:fld id="{53E7D600-3523-4C63-B38B-0FF9ED66F99E}" type="slidenum">
               <a:rPr lang="en-US" smtClean="0"/>
@@ -3570,22 +3655,27 @@
       </p:sp>
       <p:sp>
         <p:nvSpPr>
-          <p:cNvPr id="11" name="Footer Placeholder 10"/>
+          <p:cNvPr id="7" name="Footer Placeholder 9"/>
           <p:cNvSpPr>
             <a:spLocks noGrp="1"/>
           </p:cNvSpPr>
           <p:nvPr>
-            <p:ph type="ftr" sz="quarter" idx="12"/>
+            <p:ph type="ftr" sz="quarter" idx="16"/>
           </p:nvPr>
         </p:nvSpPr>
-        <p:spPr/>
+        <p:spPr>
+          <a:xfrm>
+            <a:off x="3659383" y="4711712"/>
+            <a:ext cx="3262735" cy="177641"/>
+          </a:xfrm>
+        </p:spPr>
         <p:txBody>
           <a:bodyPr/>
           <a:lstStyle/>
           <a:p>
             <a:r>
               <a:rPr lang="en-US" dirty="0" smtClean="0"/>
-              <a:t>CONFIDENTIAL  ©2011 Deltek, Inc.  All Rights Reserved</a:t>
+              <a:t>CONFIDENTIAL  ©2015 Deltek, Inc.  All Rights Reserved</a:t>
             </a:r>
             <a:endParaRPr lang="en-US" dirty="0"/>
           </a:p>
@@ -3648,8 +3738,8 @@
         </p:nvSpPr>
         <p:spPr>
           <a:xfrm>
-            <a:off x="8076246" y="4714876"/>
-            <a:ext cx="534354" cy="177641"/>
+            <a:off x="7315200" y="4714876"/>
+            <a:ext cx="841571" cy="177641"/>
           </a:xfrm>
           <a:prstGeom prst="rect">
             <a:avLst/>
@@ -3675,7 +3765,7 @@
             <a:fld id="{B507F293-A9C4-4BA5-893D-4D886C701246}" type="datetime1">
               <a:rPr lang="en-US" smtClean="0"/>
               <a:pPr/>
-              <a:t>9/4/2015</a:t>
+              <a:t>10/8/2015</a:t>
             </a:fld>
             <a:endParaRPr lang="en-US" dirty="0"/>
           </a:p>
@@ -3693,7 +3783,7 @@
         </p:nvSpPr>
         <p:spPr>
           <a:xfrm>
-            <a:off x="4541415" y="4714876"/>
+            <a:off x="3643199" y="4714876"/>
             <a:ext cx="3391854" cy="177641"/>
           </a:xfrm>
           <a:prstGeom prst="rect">
@@ -3719,15 +3809,7 @@
           <a:p>
             <a:r>
               <a:rPr lang="en-US" dirty="0" smtClean="0"/>
-              <a:t>CONFIDENTIAL  ©2011 </a:t>
-            </a:r>
-            <a:r>
-              <a:rPr lang="en-US" dirty="0" err="1" smtClean="0"/>
-              <a:t>Deltek</a:t>
-            </a:r>
-            <a:r>
-              <a:rPr lang="en-US" dirty="0" smtClean="0"/>
-              <a:t>, Inc.  All Rights Reserved</a:t>
+              <a:t>CONFIDENTIAL  ©2015 Deltek, Inc.  All Rights Reserved</a:t>
             </a:r>
             <a:endParaRPr lang="en-US" dirty="0"/>
           </a:p>
@@ -3745,7 +3827,7 @@
         </p:nvSpPr>
         <p:spPr>
           <a:xfrm>
-            <a:off x="8610600" y="4714876"/>
+            <a:off x="8343900" y="4714876"/>
             <a:ext cx="457200" cy="177641"/>
           </a:xfrm>
           <a:prstGeom prst="rect">
@@ -3755,7 +3837,7 @@
         <p:txBody>
           <a:bodyPr vert="horz" lIns="0" tIns="0" rIns="0" bIns="0" rtlCol="0" anchor="b" anchorCtr="0"/>
           <a:lstStyle>
-            <a:lvl1pPr algn="l">
+            <a:lvl1pPr algn="r">
               <a:defRPr sz="1000">
                 <a:solidFill>
                   <a:schemeClr val="accent6">
@@ -4277,15 +4359,7 @@
           <a:p>
             <a:r>
               <a:rPr lang="en-US" dirty="0" smtClean="0"/>
-              <a:t>VI-69: Tech Titans: Best Practices for Building a Bridge to Unlock the Power </a:t>
-            </a:r>
-            <a:r>
-              <a:rPr lang="en-US" dirty="0" err="1" smtClean="0"/>
-              <a:t>ov</a:t>
-            </a:r>
-            <a:r>
-              <a:rPr lang="en-US" dirty="0" smtClean="0"/>
-              <a:t> Vision APIs</a:t>
+              <a:t>VI-69: Tech Titans: Best Practices for Building a Bridge to Unlock the Power of Vision APIs</a:t>
             </a:r>
             <a:endParaRPr lang="en-US" dirty="0"/>
           </a:p>
@@ -4303,7 +4377,7 @@
         </p:nvSpPr>
         <p:spPr>
           <a:xfrm>
-            <a:off x="346393" y="3827451"/>
+            <a:off x="342900" y="4023394"/>
             <a:ext cx="5905499" cy="800100"/>
           </a:xfrm>
         </p:spPr>
@@ -4311,7 +4385,17 @@
           <a:bodyPr/>
           <a:lstStyle/>
           <a:p>
-            <a:endParaRPr lang="en-US" dirty="0"/>
+            <a:r>
+              <a:rPr lang="en-US" dirty="0" smtClean="0"/>
+              <a:t>Michael Dobler</a:t>
+            </a:r>
+          </a:p>
+          <a:p>
+            <a:r>
+              <a:rPr lang="en-US" b="0" dirty="0" smtClean="0"/>
+              <a:t>Deltek, Inc.</a:t>
+            </a:r>
+            <a:endParaRPr lang="en-US" b="0" dirty="0"/>
           </a:p>
         </p:txBody>
       </p:sp>
@@ -4388,7 +4472,12 @@
             <p:ph type="dt" sz="half" idx="14"/>
           </p:nvPr>
         </p:nvSpPr>
-        <p:spPr/>
+        <p:spPr>
+          <a:xfrm>
+            <a:off x="7315200" y="4714876"/>
+            <a:ext cx="841571" cy="177641"/>
+          </a:xfrm>
+        </p:spPr>
         <p:txBody>
           <a:bodyPr/>
           <a:lstStyle/>
@@ -4396,7 +4485,7 @@
             <a:fld id="{63B57C05-FAC8-4AF1-906F-A3907E6963E2}" type="datetime1">
               <a:rPr lang="en-US" smtClean="0"/>
               <a:pPr/>
-              <a:t>9/4/2015</a:t>
+              <a:t>10/8/2015</a:t>
             </a:fld>
             <a:endParaRPr lang="en-US" dirty="0"/>
           </a:p>
@@ -4412,7 +4501,12 @@
             <p:ph type="sldNum" sz="quarter" idx="15"/>
           </p:nvPr>
         </p:nvSpPr>
-        <p:spPr/>
+        <p:spPr>
+          <a:xfrm>
+            <a:off x="8343900" y="4714876"/>
+            <a:ext cx="457200" cy="177641"/>
+          </a:xfrm>
+        </p:spPr>
         <p:txBody>
           <a:bodyPr/>
           <a:lstStyle/>
@@ -4436,7 +4530,12 @@
             <p:ph type="ftr" sz="quarter" idx="16"/>
           </p:nvPr>
         </p:nvSpPr>
-        <p:spPr/>
+        <p:spPr>
+          <a:xfrm>
+            <a:off x="3643199" y="4714876"/>
+            <a:ext cx="3391854" cy="177641"/>
+          </a:xfrm>
+        </p:spPr>
         <p:txBody>
           <a:bodyPr/>
           <a:lstStyle/>
@@ -5144,7 +5243,12 @@
             <p:ph type="dt" sz="half" idx="14"/>
           </p:nvPr>
         </p:nvSpPr>
-        <p:spPr/>
+        <p:spPr>
+          <a:xfrm>
+            <a:off x="7315200" y="4714876"/>
+            <a:ext cx="841571" cy="177641"/>
+          </a:xfrm>
+        </p:spPr>
         <p:txBody>
           <a:bodyPr/>
           <a:lstStyle/>
@@ -5152,7 +5256,7 @@
             <a:fld id="{63B57C05-FAC8-4AF1-906F-A3907E6963E2}" type="datetime1">
               <a:rPr lang="en-US" smtClean="0"/>
               <a:pPr/>
-              <a:t>9/4/2015</a:t>
+              <a:t>10/8/2015</a:t>
             </a:fld>
             <a:endParaRPr lang="en-US" dirty="0"/>
           </a:p>
@@ -5168,7 +5272,12 @@
             <p:ph type="sldNum" sz="quarter" idx="15"/>
           </p:nvPr>
         </p:nvSpPr>
-        <p:spPr/>
+        <p:spPr>
+          <a:xfrm>
+            <a:off x="8343900" y="4714876"/>
+            <a:ext cx="457200" cy="177641"/>
+          </a:xfrm>
+        </p:spPr>
         <p:txBody>
           <a:bodyPr/>
           <a:lstStyle/>
@@ -5192,7 +5301,12 @@
             <p:ph type="ftr" sz="quarter" idx="16"/>
           </p:nvPr>
         </p:nvSpPr>
-        <p:spPr/>
+        <p:spPr>
+          <a:xfrm>
+            <a:off x="3643199" y="4714876"/>
+            <a:ext cx="3391854" cy="177641"/>
+          </a:xfrm>
+        </p:spPr>
         <p:txBody>
           <a:bodyPr/>
           <a:lstStyle/>
@@ -5347,7 +5461,12 @@
             <p:ph type="dt" sz="half" idx="14"/>
           </p:nvPr>
         </p:nvSpPr>
-        <p:spPr/>
+        <p:spPr>
+          <a:xfrm>
+            <a:off x="7315200" y="4714876"/>
+            <a:ext cx="841571" cy="177641"/>
+          </a:xfrm>
+        </p:spPr>
         <p:txBody>
           <a:bodyPr/>
           <a:lstStyle/>
@@ -5355,7 +5474,7 @@
             <a:fld id="{63B57C05-FAC8-4AF1-906F-A3907E6963E2}" type="datetime1">
               <a:rPr lang="en-US" smtClean="0"/>
               <a:pPr/>
-              <a:t>9/4/2015</a:t>
+              <a:t>10/8/2015</a:t>
             </a:fld>
             <a:endParaRPr lang="en-US" dirty="0"/>
           </a:p>
@@ -5371,7 +5490,12 @@
             <p:ph type="sldNum" sz="quarter" idx="15"/>
           </p:nvPr>
         </p:nvSpPr>
-        <p:spPr/>
+        <p:spPr>
+          <a:xfrm>
+            <a:off x="8343900" y="4714876"/>
+            <a:ext cx="457200" cy="177641"/>
+          </a:xfrm>
+        </p:spPr>
         <p:txBody>
           <a:bodyPr/>
           <a:lstStyle/>
@@ -5395,7 +5519,12 @@
             <p:ph type="ftr" sz="quarter" idx="16"/>
           </p:nvPr>
         </p:nvSpPr>
-        <p:spPr/>
+        <p:spPr>
+          <a:xfrm>
+            <a:off x="3643199" y="4714876"/>
+            <a:ext cx="3391854" cy="177641"/>
+          </a:xfrm>
+        </p:spPr>
         <p:txBody>
           <a:bodyPr/>
           <a:lstStyle/>
@@ -5601,7 +5730,12 @@
             <p:ph type="dt" sz="half" idx="14"/>
           </p:nvPr>
         </p:nvSpPr>
-        <p:spPr/>
+        <p:spPr>
+          <a:xfrm>
+            <a:off x="7315200" y="4714876"/>
+            <a:ext cx="841571" cy="177641"/>
+          </a:xfrm>
+        </p:spPr>
         <p:txBody>
           <a:bodyPr/>
           <a:lstStyle/>
@@ -5609,7 +5743,7 @@
             <a:fld id="{63B57C05-FAC8-4AF1-906F-A3907E6963E2}" type="datetime1">
               <a:rPr lang="en-US" smtClean="0"/>
               <a:pPr/>
-              <a:t>9/4/2015</a:t>
+              <a:t>10/8/2015</a:t>
             </a:fld>
             <a:endParaRPr lang="en-US" dirty="0"/>
           </a:p>
@@ -5625,7 +5759,12 @@
             <p:ph type="sldNum" sz="quarter" idx="15"/>
           </p:nvPr>
         </p:nvSpPr>
-        <p:spPr/>
+        <p:spPr>
+          <a:xfrm>
+            <a:off x="8343900" y="4714876"/>
+            <a:ext cx="457200" cy="177641"/>
+          </a:xfrm>
+        </p:spPr>
         <p:txBody>
           <a:bodyPr/>
           <a:lstStyle/>
@@ -5649,7 +5788,12 @@
             <p:ph type="ftr" sz="quarter" idx="16"/>
           </p:nvPr>
         </p:nvSpPr>
-        <p:spPr/>
+        <p:spPr>
+          <a:xfrm>
+            <a:off x="3643199" y="4714876"/>
+            <a:ext cx="3391854" cy="177641"/>
+          </a:xfrm>
+        </p:spPr>
         <p:txBody>
           <a:bodyPr/>
           <a:lstStyle/>
@@ -6024,7 +6168,12 @@
             <p:ph type="dt" sz="half" idx="14"/>
           </p:nvPr>
         </p:nvSpPr>
-        <p:spPr/>
+        <p:spPr>
+          <a:xfrm>
+            <a:off x="7315200" y="4714876"/>
+            <a:ext cx="841571" cy="177641"/>
+          </a:xfrm>
+        </p:spPr>
         <p:txBody>
           <a:bodyPr/>
           <a:lstStyle/>
@@ -6032,7 +6181,7 @@
             <a:fld id="{63B57C05-FAC8-4AF1-906F-A3907E6963E2}" type="datetime1">
               <a:rPr lang="en-US" smtClean="0"/>
               <a:pPr/>
-              <a:t>9/4/2015</a:t>
+              <a:t>10/8/2015</a:t>
             </a:fld>
             <a:endParaRPr lang="en-US" dirty="0"/>
           </a:p>
@@ -6048,7 +6197,12 @@
             <p:ph type="sldNum" sz="quarter" idx="15"/>
           </p:nvPr>
         </p:nvSpPr>
-        <p:spPr/>
+        <p:spPr>
+          <a:xfrm>
+            <a:off x="8343900" y="4714876"/>
+            <a:ext cx="457200" cy="177641"/>
+          </a:xfrm>
+        </p:spPr>
         <p:txBody>
           <a:bodyPr/>
           <a:lstStyle/>
@@ -6072,7 +6226,12 @@
             <p:ph type="ftr" sz="quarter" idx="16"/>
           </p:nvPr>
         </p:nvSpPr>
-        <p:spPr/>
+        <p:spPr>
+          <a:xfrm>
+            <a:off x="3643199" y="4714876"/>
+            <a:ext cx="3391854" cy="177641"/>
+          </a:xfrm>
+        </p:spPr>
         <p:txBody>
           <a:bodyPr/>
           <a:lstStyle/>
@@ -8841,7 +9000,12 @@
             <p:ph type="dt" sz="half" idx="14"/>
           </p:nvPr>
         </p:nvSpPr>
-        <p:spPr/>
+        <p:spPr>
+          <a:xfrm>
+            <a:off x="7315200" y="4714876"/>
+            <a:ext cx="841571" cy="177641"/>
+          </a:xfrm>
+        </p:spPr>
         <p:txBody>
           <a:bodyPr/>
           <a:lstStyle/>
@@ -8849,7 +9013,7 @@
             <a:fld id="{63B57C05-FAC8-4AF1-906F-A3907E6963E2}" type="datetime1">
               <a:rPr lang="en-US" smtClean="0"/>
               <a:pPr/>
-              <a:t>9/4/2015</a:t>
+              <a:t>10/8/2015</a:t>
             </a:fld>
             <a:endParaRPr lang="en-US" dirty="0"/>
           </a:p>
@@ -8865,7 +9029,12 @@
             <p:ph type="sldNum" sz="quarter" idx="15"/>
           </p:nvPr>
         </p:nvSpPr>
-        <p:spPr/>
+        <p:spPr>
+          <a:xfrm>
+            <a:off x="8343900" y="4714876"/>
+            <a:ext cx="457200" cy="177641"/>
+          </a:xfrm>
+        </p:spPr>
         <p:txBody>
           <a:bodyPr/>
           <a:lstStyle/>
@@ -8889,7 +9058,12 @@
             <p:ph type="ftr" sz="quarter" idx="16"/>
           </p:nvPr>
         </p:nvSpPr>
-        <p:spPr/>
+        <p:spPr>
+          <a:xfrm>
+            <a:off x="3643199" y="4714876"/>
+            <a:ext cx="3391854" cy="177641"/>
+          </a:xfrm>
+        </p:spPr>
         <p:txBody>
           <a:bodyPr/>
           <a:lstStyle/>
@@ -9048,7 +9222,12 @@
             <p:ph type="dt" sz="half" idx="14"/>
           </p:nvPr>
         </p:nvSpPr>
-        <p:spPr/>
+        <p:spPr>
+          <a:xfrm>
+            <a:off x="7315200" y="4714876"/>
+            <a:ext cx="841571" cy="177641"/>
+          </a:xfrm>
+        </p:spPr>
         <p:txBody>
           <a:bodyPr/>
           <a:lstStyle/>
@@ -9056,7 +9235,7 @@
             <a:fld id="{63B57C05-FAC8-4AF1-906F-A3907E6963E2}" type="datetime1">
               <a:rPr lang="en-US" smtClean="0"/>
               <a:pPr/>
-              <a:t>9/4/2015</a:t>
+              <a:t>10/8/2015</a:t>
             </a:fld>
             <a:endParaRPr lang="en-US" dirty="0"/>
           </a:p>
@@ -9072,7 +9251,12 @@
             <p:ph type="sldNum" sz="quarter" idx="15"/>
           </p:nvPr>
         </p:nvSpPr>
-        <p:spPr/>
+        <p:spPr>
+          <a:xfrm>
+            <a:off x="8343900" y="4714876"/>
+            <a:ext cx="457200" cy="177641"/>
+          </a:xfrm>
+        </p:spPr>
         <p:txBody>
           <a:bodyPr/>
           <a:lstStyle/>
@@ -9096,7 +9280,12 @@
             <p:ph type="ftr" sz="quarter" idx="16"/>
           </p:nvPr>
         </p:nvSpPr>
-        <p:spPr/>
+        <p:spPr>
+          <a:xfrm>
+            <a:off x="3643199" y="4714876"/>
+            <a:ext cx="3391854" cy="177641"/>
+          </a:xfrm>
+        </p:spPr>
         <p:txBody>
           <a:bodyPr/>
           <a:lstStyle/>
@@ -10587,7 +10776,12 @@
             <p:ph type="dt" sz="half" idx="14"/>
           </p:nvPr>
         </p:nvSpPr>
-        <p:spPr/>
+        <p:spPr>
+          <a:xfrm>
+            <a:off x="7315200" y="4714876"/>
+            <a:ext cx="841571" cy="177641"/>
+          </a:xfrm>
+        </p:spPr>
         <p:txBody>
           <a:bodyPr/>
           <a:lstStyle/>
@@ -10595,7 +10789,7 @@
             <a:fld id="{63B57C05-FAC8-4AF1-906F-A3907E6963E2}" type="datetime1">
               <a:rPr lang="en-US" smtClean="0"/>
               <a:pPr/>
-              <a:t>9/4/2015</a:t>
+              <a:t>10/8/2015</a:t>
             </a:fld>
             <a:endParaRPr lang="en-US" dirty="0"/>
           </a:p>
@@ -10611,7 +10805,12 @@
             <p:ph type="sldNum" sz="quarter" idx="15"/>
           </p:nvPr>
         </p:nvSpPr>
-        <p:spPr/>
+        <p:spPr>
+          <a:xfrm>
+            <a:off x="8343900" y="4714876"/>
+            <a:ext cx="457200" cy="177641"/>
+          </a:xfrm>
+        </p:spPr>
         <p:txBody>
           <a:bodyPr/>
           <a:lstStyle/>
@@ -10635,7 +10834,12 @@
             <p:ph type="ftr" sz="quarter" idx="16"/>
           </p:nvPr>
         </p:nvSpPr>
-        <p:spPr/>
+        <p:spPr>
+          <a:xfrm>
+            <a:off x="3643199" y="4714876"/>
+            <a:ext cx="3391854" cy="177641"/>
+          </a:xfrm>
+        </p:spPr>
         <p:txBody>
           <a:bodyPr/>
           <a:lstStyle/>
@@ -10996,7 +11200,12 @@
             <p:ph type="dt" sz="half" idx="14"/>
           </p:nvPr>
         </p:nvSpPr>
-        <p:spPr/>
+        <p:spPr>
+          <a:xfrm>
+            <a:off x="7315200" y="4714876"/>
+            <a:ext cx="841571" cy="177641"/>
+          </a:xfrm>
+        </p:spPr>
         <p:txBody>
           <a:bodyPr/>
           <a:lstStyle/>
@@ -11004,7 +11213,7 @@
             <a:fld id="{63B57C05-FAC8-4AF1-906F-A3907E6963E2}" type="datetime1">
               <a:rPr lang="en-US" smtClean="0"/>
               <a:pPr/>
-              <a:t>9/4/2015</a:t>
+              <a:t>10/8/2015</a:t>
             </a:fld>
             <a:endParaRPr lang="en-US" dirty="0"/>
           </a:p>
@@ -11020,7 +11229,12 @@
             <p:ph type="sldNum" sz="quarter" idx="15"/>
           </p:nvPr>
         </p:nvSpPr>
-        <p:spPr/>
+        <p:spPr>
+          <a:xfrm>
+            <a:off x="8343900" y="4714876"/>
+            <a:ext cx="457200" cy="177641"/>
+          </a:xfrm>
+        </p:spPr>
         <p:txBody>
           <a:bodyPr/>
           <a:lstStyle/>
@@ -11044,7 +11258,12 @@
             <p:ph type="ftr" sz="quarter" idx="16"/>
           </p:nvPr>
         </p:nvSpPr>
-        <p:spPr/>
+        <p:spPr>
+          <a:xfrm>
+            <a:off x="3643199" y="4714876"/>
+            <a:ext cx="3391854" cy="177641"/>
+          </a:xfrm>
+        </p:spPr>
         <p:txBody>
           <a:bodyPr/>
           <a:lstStyle/>
@@ -11281,7 +11500,12 @@
             <p:ph type="dt" sz="half" idx="14"/>
           </p:nvPr>
         </p:nvSpPr>
-        <p:spPr/>
+        <p:spPr>
+          <a:xfrm>
+            <a:off x="7315200" y="4714876"/>
+            <a:ext cx="841571" cy="177641"/>
+          </a:xfrm>
+        </p:spPr>
         <p:txBody>
           <a:bodyPr/>
           <a:lstStyle/>
@@ -11289,7 +11513,7 @@
             <a:fld id="{63B57C05-FAC8-4AF1-906F-A3907E6963E2}" type="datetime1">
               <a:rPr lang="en-US" smtClean="0"/>
               <a:pPr/>
-              <a:t>9/4/2015</a:t>
+              <a:t>10/8/2015</a:t>
             </a:fld>
             <a:endParaRPr lang="en-US" dirty="0"/>
           </a:p>
@@ -11305,7 +11529,12 @@
             <p:ph type="sldNum" sz="quarter" idx="15"/>
           </p:nvPr>
         </p:nvSpPr>
-        <p:spPr/>
+        <p:spPr>
+          <a:xfrm>
+            <a:off x="8343900" y="4714876"/>
+            <a:ext cx="457200" cy="177641"/>
+          </a:xfrm>
+        </p:spPr>
         <p:txBody>
           <a:bodyPr/>
           <a:lstStyle/>
@@ -11329,7 +11558,12 @@
             <p:ph type="ftr" sz="quarter" idx="16"/>
           </p:nvPr>
         </p:nvSpPr>
-        <p:spPr/>
+        <p:spPr>
+          <a:xfrm>
+            <a:off x="3643199" y="4714876"/>
+            <a:ext cx="3391854" cy="177641"/>
+          </a:xfrm>
+        </p:spPr>
         <p:txBody>
           <a:bodyPr/>
           <a:lstStyle/>
@@ -11485,7 +11719,12 @@
             <p:ph type="dt" sz="half" idx="14"/>
           </p:nvPr>
         </p:nvSpPr>
-        <p:spPr/>
+        <p:spPr>
+          <a:xfrm>
+            <a:off x="7315200" y="4714876"/>
+            <a:ext cx="841571" cy="177641"/>
+          </a:xfrm>
+        </p:spPr>
         <p:txBody>
           <a:bodyPr/>
           <a:lstStyle/>
@@ -11493,7 +11732,7 @@
             <a:fld id="{63B57C05-FAC8-4AF1-906F-A3907E6963E2}" type="datetime1">
               <a:rPr lang="en-US" smtClean="0"/>
               <a:pPr/>
-              <a:t>9/4/2015</a:t>
+              <a:t>10/8/2015</a:t>
             </a:fld>
             <a:endParaRPr lang="en-US" dirty="0"/>
           </a:p>
@@ -11509,7 +11748,12 @@
             <p:ph type="sldNum" sz="quarter" idx="15"/>
           </p:nvPr>
         </p:nvSpPr>
-        <p:spPr/>
+        <p:spPr>
+          <a:xfrm>
+            <a:off x="8343900" y="4714876"/>
+            <a:ext cx="457200" cy="177641"/>
+          </a:xfrm>
+        </p:spPr>
         <p:txBody>
           <a:bodyPr/>
           <a:lstStyle/>
@@ -11533,7 +11777,12 @@
             <p:ph type="ftr" sz="quarter" idx="16"/>
           </p:nvPr>
         </p:nvSpPr>
-        <p:spPr/>
+        <p:spPr>
+          <a:xfrm>
+            <a:off x="3643199" y="4714876"/>
+            <a:ext cx="3391854" cy="177641"/>
+          </a:xfrm>
+        </p:spPr>
         <p:txBody>
           <a:bodyPr/>
           <a:lstStyle/>
@@ -11663,10 +11912,15 @@
             <a:spLocks noGrp="1"/>
           </p:cNvSpPr>
           <p:nvPr>
-            <p:ph type="dt" sz="half" idx="10"/>
+            <p:ph type="dt" sz="half" idx="14"/>
           </p:nvPr>
         </p:nvSpPr>
-        <p:spPr/>
+        <p:spPr>
+          <a:xfrm>
+            <a:off x="7315200" y="4714876"/>
+            <a:ext cx="841571" cy="177641"/>
+          </a:xfrm>
+        </p:spPr>
         <p:txBody>
           <a:bodyPr/>
           <a:lstStyle/>
@@ -11674,7 +11928,7 @@
             <a:fld id="{D68363BA-B2CB-48BB-B948-748EF4E624F6}" type="datetime1">
               <a:rPr lang="en-US" smtClean="0"/>
               <a:pPr/>
-              <a:t>9/4/2015</a:t>
+              <a:t>10/8/2015</a:t>
             </a:fld>
             <a:endParaRPr lang="en-US" dirty="0"/>
           </a:p>
@@ -11687,10 +11941,15 @@
             <a:spLocks noGrp="1"/>
           </p:cNvSpPr>
           <p:nvPr>
-            <p:ph type="sldNum" sz="quarter" idx="11"/>
+            <p:ph type="sldNum" sz="quarter" idx="15"/>
           </p:nvPr>
         </p:nvSpPr>
-        <p:spPr/>
+        <p:spPr>
+          <a:xfrm>
+            <a:off x="8343900" y="4714876"/>
+            <a:ext cx="457200" cy="177641"/>
+          </a:xfrm>
+        </p:spPr>
         <p:txBody>
           <a:bodyPr/>
           <a:lstStyle/>
@@ -11711,10 +11970,15 @@
             <a:spLocks noGrp="1"/>
           </p:cNvSpPr>
           <p:nvPr>
-            <p:ph type="ftr" sz="quarter" idx="12"/>
+            <p:ph type="ftr" sz="quarter" idx="16"/>
           </p:nvPr>
         </p:nvSpPr>
-        <p:spPr/>
+        <p:spPr>
+          <a:xfrm>
+            <a:off x="3643199" y="4714876"/>
+            <a:ext cx="3391854" cy="177641"/>
+          </a:xfrm>
+        </p:spPr>
         <p:txBody>
           <a:bodyPr/>
           <a:lstStyle/>
@@ -15040,10 +15304,15 @@
             <a:spLocks noGrp="1"/>
           </p:cNvSpPr>
           <p:nvPr>
-            <p:ph type="dt" sz="half" idx="10"/>
+            <p:ph type="dt" sz="half" idx="14"/>
           </p:nvPr>
         </p:nvSpPr>
-        <p:spPr/>
+        <p:spPr>
+          <a:xfrm>
+            <a:off x="7315200" y="4714876"/>
+            <a:ext cx="841571" cy="177641"/>
+          </a:xfrm>
+        </p:spPr>
         <p:txBody>
           <a:bodyPr/>
           <a:lstStyle/>
@@ -15051,7 +15320,7 @@
             <a:fld id="{D68363BA-B2CB-48BB-B948-748EF4E624F6}" type="datetime1">
               <a:rPr lang="en-US" smtClean="0"/>
               <a:pPr/>
-              <a:t>9/4/2015</a:t>
+              <a:t>10/8/2015</a:t>
             </a:fld>
             <a:endParaRPr lang="en-US" dirty="0"/>
           </a:p>
@@ -15064,10 +15333,15 @@
             <a:spLocks noGrp="1"/>
           </p:cNvSpPr>
           <p:nvPr>
-            <p:ph type="sldNum" sz="quarter" idx="11"/>
+            <p:ph type="sldNum" sz="quarter" idx="15"/>
           </p:nvPr>
         </p:nvSpPr>
-        <p:spPr/>
+        <p:spPr>
+          <a:xfrm>
+            <a:off x="8343900" y="4714876"/>
+            <a:ext cx="457200" cy="177641"/>
+          </a:xfrm>
+        </p:spPr>
         <p:txBody>
           <a:bodyPr/>
           <a:lstStyle/>
@@ -15088,10 +15362,15 @@
             <a:spLocks noGrp="1"/>
           </p:cNvSpPr>
           <p:nvPr>
-            <p:ph type="ftr" sz="quarter" idx="12"/>
+            <p:ph type="ftr" sz="quarter" idx="16"/>
           </p:nvPr>
         </p:nvSpPr>
-        <p:spPr/>
+        <p:spPr>
+          <a:xfrm>
+            <a:off x="3643199" y="4714876"/>
+            <a:ext cx="3391854" cy="177641"/>
+          </a:xfrm>
+        </p:spPr>
         <p:txBody>
           <a:bodyPr/>
           <a:lstStyle/>
@@ -15728,10 +16007,15 @@
             <a:spLocks noGrp="1"/>
           </p:cNvSpPr>
           <p:nvPr>
-            <p:ph type="dt" sz="half" idx="10"/>
+            <p:ph type="dt" sz="half" idx="14"/>
           </p:nvPr>
         </p:nvSpPr>
-        <p:spPr/>
+        <p:spPr>
+          <a:xfrm>
+            <a:off x="7315200" y="4714876"/>
+            <a:ext cx="841571" cy="177641"/>
+          </a:xfrm>
+        </p:spPr>
         <p:txBody>
           <a:bodyPr/>
           <a:lstStyle/>
@@ -15739,7 +16023,7 @@
             <a:fld id="{D68363BA-B2CB-48BB-B948-748EF4E624F6}" type="datetime1">
               <a:rPr lang="en-US" smtClean="0"/>
               <a:pPr/>
-              <a:t>9/4/2015</a:t>
+              <a:t>10/8/2015</a:t>
             </a:fld>
             <a:endParaRPr lang="en-US" dirty="0"/>
           </a:p>
@@ -15752,10 +16036,15 @@
             <a:spLocks noGrp="1"/>
           </p:cNvSpPr>
           <p:nvPr>
-            <p:ph type="sldNum" sz="quarter" idx="11"/>
+            <p:ph type="sldNum" sz="quarter" idx="15"/>
           </p:nvPr>
         </p:nvSpPr>
-        <p:spPr/>
+        <p:spPr>
+          <a:xfrm>
+            <a:off x="8343900" y="4714876"/>
+            <a:ext cx="457200" cy="177641"/>
+          </a:xfrm>
+        </p:spPr>
         <p:txBody>
           <a:bodyPr/>
           <a:lstStyle/>
@@ -15776,10 +16065,15 @@
             <a:spLocks noGrp="1"/>
           </p:cNvSpPr>
           <p:nvPr>
-            <p:ph type="ftr" sz="quarter" idx="12"/>
+            <p:ph type="ftr" sz="quarter" idx="16"/>
           </p:nvPr>
         </p:nvSpPr>
-        <p:spPr/>
+        <p:spPr>
+          <a:xfrm>
+            <a:off x="3643199" y="4714876"/>
+            <a:ext cx="3391854" cy="177641"/>
+          </a:xfrm>
+        </p:spPr>
         <p:txBody>
           <a:bodyPr/>
           <a:lstStyle/>
@@ -16306,7 +16600,12 @@
             <p:ph type="dt" sz="half" idx="14"/>
           </p:nvPr>
         </p:nvSpPr>
-        <p:spPr/>
+        <p:spPr>
+          <a:xfrm>
+            <a:off x="7315200" y="4714876"/>
+            <a:ext cx="841571" cy="177641"/>
+          </a:xfrm>
+        </p:spPr>
         <p:txBody>
           <a:bodyPr/>
           <a:lstStyle/>
@@ -16314,7 +16613,7 @@
             <a:fld id="{63B57C05-FAC8-4AF1-906F-A3907E6963E2}" type="datetime1">
               <a:rPr lang="en-US" smtClean="0"/>
               <a:pPr/>
-              <a:t>9/4/2015</a:t>
+              <a:t>10/8/2015</a:t>
             </a:fld>
             <a:endParaRPr lang="en-US" dirty="0"/>
           </a:p>
@@ -16330,7 +16629,12 @@
             <p:ph type="sldNum" sz="quarter" idx="15"/>
           </p:nvPr>
         </p:nvSpPr>
-        <p:spPr/>
+        <p:spPr>
+          <a:xfrm>
+            <a:off x="8343900" y="4714876"/>
+            <a:ext cx="457200" cy="177641"/>
+          </a:xfrm>
+        </p:spPr>
         <p:txBody>
           <a:bodyPr/>
           <a:lstStyle/>
@@ -16354,7 +16658,12 @@
             <p:ph type="ftr" sz="quarter" idx="16"/>
           </p:nvPr>
         </p:nvSpPr>
-        <p:spPr/>
+        <p:spPr>
+          <a:xfrm>
+            <a:off x="3643199" y="4714876"/>
+            <a:ext cx="3391854" cy="177641"/>
+          </a:xfrm>
+        </p:spPr>
         <p:txBody>
           <a:bodyPr/>
           <a:lstStyle/>
@@ -16586,7 +16895,12 @@
             <p:ph type="dt" sz="half" idx="14"/>
           </p:nvPr>
         </p:nvSpPr>
-        <p:spPr/>
+        <p:spPr>
+          <a:xfrm>
+            <a:off x="7315200" y="4714876"/>
+            <a:ext cx="841571" cy="177641"/>
+          </a:xfrm>
+        </p:spPr>
         <p:txBody>
           <a:bodyPr/>
           <a:lstStyle/>
@@ -16594,7 +16908,7 @@
             <a:fld id="{63B57C05-FAC8-4AF1-906F-A3907E6963E2}" type="datetime1">
               <a:rPr lang="en-US" smtClean="0"/>
               <a:pPr/>
-              <a:t>9/4/2015</a:t>
+              <a:t>10/8/2015</a:t>
             </a:fld>
             <a:endParaRPr lang="en-US" dirty="0"/>
           </a:p>
@@ -16610,7 +16924,12 @@
             <p:ph type="sldNum" sz="quarter" idx="15"/>
           </p:nvPr>
         </p:nvSpPr>
-        <p:spPr/>
+        <p:spPr>
+          <a:xfrm>
+            <a:off x="8343900" y="4714876"/>
+            <a:ext cx="457200" cy="177641"/>
+          </a:xfrm>
+        </p:spPr>
         <p:txBody>
           <a:bodyPr/>
           <a:lstStyle/>
@@ -16634,7 +16953,12 @@
             <p:ph type="ftr" sz="quarter" idx="16"/>
           </p:nvPr>
         </p:nvSpPr>
-        <p:spPr/>
+        <p:spPr>
+          <a:xfrm>
+            <a:off x="3643199" y="4714876"/>
+            <a:ext cx="3391854" cy="177641"/>
+          </a:xfrm>
+        </p:spPr>
         <p:txBody>
           <a:bodyPr/>
           <a:lstStyle/>
@@ -16898,7 +17222,12 @@
             <p:ph type="dt" sz="half" idx="14"/>
           </p:nvPr>
         </p:nvSpPr>
-        <p:spPr/>
+        <p:spPr>
+          <a:xfrm>
+            <a:off x="7315200" y="4714876"/>
+            <a:ext cx="841571" cy="177641"/>
+          </a:xfrm>
+        </p:spPr>
         <p:txBody>
           <a:bodyPr/>
           <a:lstStyle/>
@@ -16906,7 +17235,7 @@
             <a:fld id="{63B57C05-FAC8-4AF1-906F-A3907E6963E2}" type="datetime1">
               <a:rPr lang="en-US" smtClean="0"/>
               <a:pPr/>
-              <a:t>9/4/2015</a:t>
+              <a:t>10/8/2015</a:t>
             </a:fld>
             <a:endParaRPr lang="en-US" dirty="0"/>
           </a:p>
@@ -16922,7 +17251,12 @@
             <p:ph type="sldNum" sz="quarter" idx="15"/>
           </p:nvPr>
         </p:nvSpPr>
-        <p:spPr/>
+        <p:spPr>
+          <a:xfrm>
+            <a:off x="8343900" y="4714876"/>
+            <a:ext cx="457200" cy="177641"/>
+          </a:xfrm>
+        </p:spPr>
         <p:txBody>
           <a:bodyPr/>
           <a:lstStyle/>
@@ -16946,7 +17280,12 @@
             <p:ph type="ftr" sz="quarter" idx="16"/>
           </p:nvPr>
         </p:nvSpPr>
-        <p:spPr/>
+        <p:spPr>
+          <a:xfrm>
+            <a:off x="3643199" y="4714876"/>
+            <a:ext cx="3391854" cy="177641"/>
+          </a:xfrm>
+        </p:spPr>
         <p:txBody>
           <a:bodyPr/>
           <a:lstStyle/>
@@ -17170,7 +17509,12 @@
             <p:ph type="dt" sz="half" idx="14"/>
           </p:nvPr>
         </p:nvSpPr>
-        <p:spPr/>
+        <p:spPr>
+          <a:xfrm>
+            <a:off x="7315200" y="4714876"/>
+            <a:ext cx="841571" cy="177641"/>
+          </a:xfrm>
+        </p:spPr>
         <p:txBody>
           <a:bodyPr/>
           <a:lstStyle/>
@@ -17178,7 +17522,7 @@
             <a:fld id="{63B57C05-FAC8-4AF1-906F-A3907E6963E2}" type="datetime1">
               <a:rPr lang="en-US" smtClean="0"/>
               <a:pPr/>
-              <a:t>9/4/2015</a:t>
+              <a:t>10/8/2015</a:t>
             </a:fld>
             <a:endParaRPr lang="en-US" dirty="0"/>
           </a:p>
@@ -17194,7 +17538,12 @@
             <p:ph type="sldNum" sz="quarter" idx="15"/>
           </p:nvPr>
         </p:nvSpPr>
-        <p:spPr/>
+        <p:spPr>
+          <a:xfrm>
+            <a:off x="8343900" y="4714876"/>
+            <a:ext cx="457200" cy="177641"/>
+          </a:xfrm>
+        </p:spPr>
         <p:txBody>
           <a:bodyPr/>
           <a:lstStyle/>
@@ -17218,7 +17567,12 @@
             <p:ph type="ftr" sz="quarter" idx="16"/>
           </p:nvPr>
         </p:nvSpPr>
-        <p:spPr/>
+        <p:spPr>
+          <a:xfrm>
+            <a:off x="3643199" y="4714876"/>
+            <a:ext cx="3391854" cy="177641"/>
+          </a:xfrm>
+        </p:spPr>
         <p:txBody>
           <a:bodyPr/>
           <a:lstStyle/>
@@ -17379,7 +17733,12 @@
             <p:ph type="dt" sz="half" idx="14"/>
           </p:nvPr>
         </p:nvSpPr>
-        <p:spPr/>
+        <p:spPr>
+          <a:xfrm>
+            <a:off x="7315200" y="4714876"/>
+            <a:ext cx="841571" cy="177641"/>
+          </a:xfrm>
+        </p:spPr>
         <p:txBody>
           <a:bodyPr/>
           <a:lstStyle/>
@@ -17387,7 +17746,7 @@
             <a:fld id="{63B57C05-FAC8-4AF1-906F-A3907E6963E2}" type="datetime1">
               <a:rPr lang="en-US" smtClean="0"/>
               <a:pPr/>
-              <a:t>9/4/2015</a:t>
+              <a:t>10/8/2015</a:t>
             </a:fld>
             <a:endParaRPr lang="en-US" dirty="0"/>
           </a:p>
@@ -17403,7 +17762,12 @@
             <p:ph type="sldNum" sz="quarter" idx="15"/>
           </p:nvPr>
         </p:nvSpPr>
-        <p:spPr/>
+        <p:spPr>
+          <a:xfrm>
+            <a:off x="8343900" y="4714876"/>
+            <a:ext cx="457200" cy="177641"/>
+          </a:xfrm>
+        </p:spPr>
         <p:txBody>
           <a:bodyPr/>
           <a:lstStyle/>
@@ -17427,7 +17791,12 @@
             <p:ph type="ftr" sz="quarter" idx="16"/>
           </p:nvPr>
         </p:nvSpPr>
-        <p:spPr/>
+        <p:spPr>
+          <a:xfrm>
+            <a:off x="3643199" y="4714876"/>
+            <a:ext cx="3391854" cy="177641"/>
+          </a:xfrm>
+        </p:spPr>
         <p:txBody>
           <a:bodyPr/>
           <a:lstStyle/>
@@ -17586,10 +17955,15 @@
             <a:spLocks noGrp="1"/>
           </p:cNvSpPr>
           <p:nvPr>
-            <p:ph type="dt" sz="half" idx="10"/>
+            <p:ph type="dt" sz="half" idx="14"/>
           </p:nvPr>
         </p:nvSpPr>
-        <p:spPr/>
+        <p:spPr>
+          <a:xfrm>
+            <a:off x="7315200" y="4714876"/>
+            <a:ext cx="841571" cy="177641"/>
+          </a:xfrm>
+        </p:spPr>
         <p:txBody>
           <a:bodyPr/>
           <a:lstStyle/>
@@ -17597,7 +17971,7 @@
             <a:fld id="{D68363BA-B2CB-48BB-B948-748EF4E624F6}" type="datetime1">
               <a:rPr lang="en-US" smtClean="0"/>
               <a:pPr/>
-              <a:t>9/4/2015</a:t>
+              <a:t>10/8/2015</a:t>
             </a:fld>
             <a:endParaRPr lang="en-US" dirty="0"/>
           </a:p>
@@ -17610,10 +17984,15 @@
             <a:spLocks noGrp="1"/>
           </p:cNvSpPr>
           <p:nvPr>
-            <p:ph type="sldNum" sz="quarter" idx="11"/>
+            <p:ph type="sldNum" sz="quarter" idx="15"/>
           </p:nvPr>
         </p:nvSpPr>
-        <p:spPr/>
+        <p:spPr>
+          <a:xfrm>
+            <a:off x="8343900" y="4714876"/>
+            <a:ext cx="457200" cy="177641"/>
+          </a:xfrm>
+        </p:spPr>
         <p:txBody>
           <a:bodyPr/>
           <a:lstStyle/>
@@ -17634,10 +18013,15 @@
             <a:spLocks noGrp="1"/>
           </p:cNvSpPr>
           <p:nvPr>
-            <p:ph type="ftr" sz="quarter" idx="12"/>
+            <p:ph type="ftr" sz="quarter" idx="16"/>
           </p:nvPr>
         </p:nvSpPr>
-        <p:spPr/>
+        <p:spPr>
+          <a:xfrm>
+            <a:off x="3643199" y="4714876"/>
+            <a:ext cx="3391854" cy="177641"/>
+          </a:xfrm>
+        </p:spPr>
         <p:txBody>
           <a:bodyPr/>
           <a:lstStyle/>
@@ -17881,7 +18265,12 @@
             <p:ph type="dt" sz="half" idx="14"/>
           </p:nvPr>
         </p:nvSpPr>
-        <p:spPr/>
+        <p:spPr>
+          <a:xfrm>
+            <a:off x="7315200" y="4714876"/>
+            <a:ext cx="841571" cy="177641"/>
+          </a:xfrm>
+        </p:spPr>
         <p:txBody>
           <a:bodyPr/>
           <a:lstStyle/>
@@ -17889,7 +18278,7 @@
             <a:fld id="{63B57C05-FAC8-4AF1-906F-A3907E6963E2}" type="datetime1">
               <a:rPr lang="en-US" smtClean="0"/>
               <a:pPr/>
-              <a:t>9/4/2015</a:t>
+              <a:t>10/8/2015</a:t>
             </a:fld>
             <a:endParaRPr lang="en-US" dirty="0"/>
           </a:p>
@@ -17905,7 +18294,12 @@
             <p:ph type="sldNum" sz="quarter" idx="15"/>
           </p:nvPr>
         </p:nvSpPr>
-        <p:spPr/>
+        <p:spPr>
+          <a:xfrm>
+            <a:off x="8343900" y="4714876"/>
+            <a:ext cx="457200" cy="177641"/>
+          </a:xfrm>
+        </p:spPr>
         <p:txBody>
           <a:bodyPr/>
           <a:lstStyle/>
@@ -17929,7 +18323,12 @@
             <p:ph type="ftr" sz="quarter" idx="16"/>
           </p:nvPr>
         </p:nvSpPr>
-        <p:spPr/>
+        <p:spPr>
+          <a:xfrm>
+            <a:off x="3643199" y="4714876"/>
+            <a:ext cx="3391854" cy="177641"/>
+          </a:xfrm>
+        </p:spPr>
         <p:txBody>
           <a:bodyPr/>
           <a:lstStyle/>
